--- a/2021-07-04/TheDesiredState-2021-07-04.pptx
+++ b/2021-07-04/TheDesiredState-2021-07-04.pptx
@@ -280,7 +280,7 @@
               <a:pPr>
                 <a:defRPr/>
               </a:pPr>
-              <a:t>7/3/2021</a:t>
+              <a:t>11/30/2024</a:t>
             </a:fld>
             <a:endParaRPr lang="en-US"/>
           </a:p>
@@ -987,13 +987,159 @@
         </p:nvSpPr>
         <p:spPr/>
         <p:txBody>
-          <a:bodyPr/>
+          <a:bodyPr>
+            <a:normAutofit fontScale="55000" lnSpcReduction="20000"/>
+          </a:bodyPr>
           <a:lstStyle/>
           <a:p>
             <a:endParaRPr lang="en-US" baseline="0" dirty="0"/>
           </a:p>
           <a:p>
+            <a:pPr algn="ctr"/>
+            <a:r>
+              <a:rPr lang="en-US" b="1" i="1" dirty="0"/>
+              <a:t>The Father, The Son, The Holy Spirit</a:t>
+            </a:r>
+          </a:p>
+          <a:p>
+            <a:endParaRPr lang="en-US" b="1" i="1" dirty="0"/>
+          </a:p>
+          <a:p>
+            <a:r>
+              <a:rPr lang="en-US" b="1" i="1" dirty="0"/>
+              <a:t>“Therefore go and make disciples of all nations, baptizing them in the name of the </a:t>
+            </a:r>
+            <a:r>
+              <a:rPr lang="en-US" b="1" i="1" u="sng" dirty="0"/>
+              <a:t>Father and the Son and the Holy Spirit</a:t>
+            </a:r>
+            <a:r>
+              <a:rPr lang="en-US" b="1" i="1" dirty="0"/>
+              <a:t>, teaching them to obey everything I have commanded you.  And remember, I am with you always, to the end of the age.” </a:t>
+            </a:r>
+          </a:p>
+          <a:p>
+            <a:r>
+              <a:rPr lang="en-US" b="1" i="1" dirty="0"/>
+              <a:t> </a:t>
+            </a:r>
+          </a:p>
+          <a:p>
+            <a:r>
+              <a:rPr lang="en-US" b="1" i="1" dirty="0"/>
+              <a:t>Matthew 28:19</a:t>
+            </a:r>
+          </a:p>
+          <a:p>
+            <a:endParaRPr lang="en-US" baseline="0" dirty="0"/>
+          </a:p>
+          <a:p>
+            <a:endParaRPr lang="en-US" baseline="0" dirty="0"/>
+          </a:p>
+          <a:p>
+            <a:endParaRPr lang="en-US" baseline="0" dirty="0"/>
+          </a:p>
+          <a:p>
+            <a:pPr algn="ctr"/>
+            <a:r>
+              <a:rPr lang="en-US" b="1" i="1" dirty="0"/>
+              <a:t>The Father with the Holy Spirit</a:t>
+            </a:r>
+          </a:p>
+          <a:p>
+            <a:endParaRPr lang="en-US" b="1" i="1" dirty="0"/>
+          </a:p>
+          <a:p>
+            <a:r>
+              <a:rPr lang="en-US" b="1" i="1" dirty="0"/>
+              <a:t>“But the Advocate, the Holy Spirit, whom the Father will send in my name, will teach you everything and will cause you to remember everything I said to you.” </a:t>
+            </a:r>
+          </a:p>
+          <a:p>
+            <a:r>
+              <a:rPr lang="en-US" b="1" i="1" dirty="0"/>
+              <a:t> </a:t>
+            </a:r>
+          </a:p>
+          <a:p>
+            <a:r>
+              <a:rPr lang="en-US" b="1" i="1" dirty="0"/>
+              <a:t>John 14:26</a:t>
+            </a:r>
+          </a:p>
+          <a:p>
+            <a:endParaRPr lang="en-US" baseline="0" dirty="0"/>
+          </a:p>
+          <a:p>
+            <a:endParaRPr lang="en-US" baseline="0" dirty="0"/>
+          </a:p>
+          <a:p>
+            <a:endParaRPr lang="en-US" baseline="0" dirty="0"/>
+          </a:p>
+          <a:p>
             <a:endParaRPr lang="en-US" dirty="0"/>
+          </a:p>
+          <a:p>
+            <a:pPr algn="ctr"/>
+            <a:r>
+              <a:rPr lang="en-US" b="1" i="1" dirty="0"/>
+              <a:t>The Father with the Son</a:t>
+            </a:r>
+          </a:p>
+          <a:p>
+            <a:endParaRPr lang="en-US" b="1" i="1" dirty="0"/>
+          </a:p>
+          <a:p>
+            <a:r>
+              <a:rPr lang="en-US" b="1" i="1" dirty="0"/>
+              <a:t>“The Father and I are one.”   John 10:30</a:t>
+            </a:r>
+          </a:p>
+          <a:p>
+            <a:endParaRPr lang="en-US" b="1" i="1" dirty="0"/>
+          </a:p>
+          <a:p>
+            <a:r>
+              <a:rPr lang="en-US" b="1" i="1" dirty="0"/>
+              <a:t>“So Jesus said to them again, ‘Peace be with you. Just as the Father has sent me, I also send you.’”   John 20:21</a:t>
+            </a:r>
+          </a:p>
+          <a:p>
+            <a:endParaRPr lang="en-US" dirty="0"/>
+          </a:p>
+          <a:p>
+            <a:endParaRPr lang="en-US" dirty="0"/>
+          </a:p>
+          <a:p>
+            <a:endParaRPr lang="en-US" dirty="0"/>
+          </a:p>
+          <a:p>
+            <a:pPr algn="ctr"/>
+            <a:r>
+              <a:rPr lang="en-US" b="1" i="1" dirty="0"/>
+              <a:t>The Son with the Holy Spirit</a:t>
+            </a:r>
+          </a:p>
+          <a:p>
+            <a:endParaRPr lang="en-US" b="1" i="1" dirty="0"/>
+          </a:p>
+          <a:p>
+            <a:r>
+              <a:rPr lang="en-US" b="1" i="1" dirty="0"/>
+              <a:t>“But I tell you the truth, it is to your advantage that I am going away. For if I do not go away, the Advocate will not come to you, but if I go, I will send Him to you. And when He comes, He will prove the world wrong concerning sin and righteousness and judgment…” </a:t>
+            </a:r>
+          </a:p>
+          <a:p>
+            <a:r>
+              <a:rPr lang="en-US" b="1" i="1" dirty="0"/>
+              <a:t> </a:t>
+            </a:r>
+          </a:p>
+          <a:p>
+            <a:r>
+              <a:rPr lang="en-US" b="1" i="1" dirty="0"/>
+              <a:t>John 16:7-8</a:t>
+            </a:r>
           </a:p>
           <a:p>
             <a:endParaRPr lang="en-US" dirty="0"/>
